--- a/Investment Dashboard PP.pptx
+++ b/Investment Dashboard PP.pptx
@@ -226,7 +226,7 @@
           <a:p>
             <a:fld id="{8369C108-6DA3-45F2-AE7E-50E80854775B}" type="datetimeFigureOut">
               <a:rPr lang="en-US" smtClean="0"/>
-              <a:t>1/13/2020</a:t>
+              <a:t>1/14/2020</a:t>
             </a:fld>
             <a:endParaRPr lang="en-US" dirty="0"/>
           </a:p>
@@ -403,7 +403,7 @@
           <a:p>
             <a:fld id="{476A73B2-5605-4CC4-ADC6-622651651079}" type="datetimeFigureOut">
               <a:rPr lang="en-US" smtClean="0"/>
-              <a:t>1/13/2020</a:t>
+              <a:t>1/14/2020</a:t>
             </a:fld>
             <a:endParaRPr lang="en-US" dirty="0"/>
           </a:p>
@@ -1841,7 +1841,7 @@
           <a:p>
             <a:fld id="{9AB3A824-1A51-4B26-AD58-A6D8E14F6C04}" type="datetimeFigureOut">
               <a:rPr lang="en-US" smtClean="0"/>
-              <a:t>1/13/2020</a:t>
+              <a:t>1/14/2020</a:t>
             </a:fld>
             <a:endParaRPr lang="en-US" dirty="0"/>
           </a:p>
@@ -2015,7 +2015,7 @@
           <a:p>
             <a:fld id="{D857E33E-8B18-4087-B112-809917729534}" type="datetimeFigureOut">
               <a:rPr lang="en-US" smtClean="0"/>
-              <a:t>1/13/2020</a:t>
+              <a:t>1/14/2020</a:t>
             </a:fld>
             <a:endParaRPr lang="en-US" dirty="0"/>
           </a:p>
@@ -2199,7 +2199,7 @@
           <a:p>
             <a:fld id="{D3FFE419-2371-464F-8239-3959401C3561}" type="datetimeFigureOut">
               <a:rPr lang="en-US" smtClean="0"/>
-              <a:t>1/13/2020</a:t>
+              <a:t>1/14/2020</a:t>
             </a:fld>
             <a:endParaRPr lang="en-US" dirty="0"/>
           </a:p>
@@ -2373,7 +2373,7 @@
           <a:p>
             <a:fld id="{97D162C4-EDD9-4389-A98B-B87ECEA2A816}" type="datetimeFigureOut">
               <a:rPr lang="en-US" smtClean="0"/>
-              <a:t>1/13/2020</a:t>
+              <a:t>1/14/2020</a:t>
             </a:fld>
             <a:endParaRPr lang="en-US" dirty="0"/>
           </a:p>
@@ -2645,7 +2645,7 @@
           <a:p>
             <a:fld id="{3E5059C3-6A89-4494-99FF-5A4D6FFD50EB}" type="datetimeFigureOut">
               <a:rPr lang="en-US" smtClean="0"/>
-              <a:t>1/13/2020</a:t>
+              <a:t>1/14/2020</a:t>
             </a:fld>
             <a:endParaRPr lang="en-US" dirty="0"/>
           </a:p>
@@ -2881,7 +2881,7 @@
           <a:p>
             <a:fld id="{CA954B2F-12DE-47F5-8894-472B206D2E1E}" type="datetimeFigureOut">
               <a:rPr lang="en-US" smtClean="0"/>
-              <a:t>1/13/2020</a:t>
+              <a:t>1/14/2020</a:t>
             </a:fld>
             <a:endParaRPr lang="en-US" dirty="0"/>
           </a:p>
@@ -3244,7 +3244,7 @@
           <a:p>
             <a:fld id="{3CBC1C18-307B-4F68-A007-B5B542270E8D}" type="datetimeFigureOut">
               <a:rPr lang="en-US" smtClean="0"/>
-              <a:t>1/13/2020</a:t>
+              <a:t>1/14/2020</a:t>
             </a:fld>
             <a:endParaRPr lang="en-US" dirty="0"/>
           </a:p>
@@ -3391,7 +3391,7 @@
           <a:p>
             <a:fld id="{1FAF3416-4057-4DAA-829D-4CA07428D088}" type="datetimeFigureOut">
               <a:rPr lang="en-US" smtClean="0"/>
-              <a:t>1/13/2020</a:t>
+              <a:t>1/14/2020</a:t>
             </a:fld>
             <a:endParaRPr lang="en-US" dirty="0"/>
           </a:p>
@@ -3490,7 +3490,7 @@
           <a:p>
             <a:fld id="{921D9284-D300-4297-87F7-E791DCC15DB1}" type="datetimeFigureOut">
               <a:rPr lang="en-US" smtClean="0"/>
-              <a:t>1/13/2020</a:t>
+              <a:t>1/14/2020</a:t>
             </a:fld>
             <a:endParaRPr lang="en-US" dirty="0"/>
           </a:p>
@@ -3851,7 +3851,7 @@
           <a:p>
             <a:fld id="{37D525BB-DA17-4BA0-B3C8-3AC3ABC827E6}" type="datetimeFigureOut">
               <a:rPr lang="en-US" smtClean="0"/>
-              <a:t>1/13/2020</a:t>
+              <a:t>1/14/2020</a:t>
             </a:fld>
             <a:endParaRPr lang="en-US" dirty="0"/>
           </a:p>
@@ -4212,7 +4212,7 @@
           <a:p>
             <a:fld id="{B16C4C9A-3960-41CF-A4E9-2A8FB932454B}" type="datetimeFigureOut">
               <a:rPr lang="en-US" smtClean="0"/>
-              <a:t>1/13/2020</a:t>
+              <a:t>1/14/2020</a:t>
             </a:fld>
             <a:endParaRPr lang="en-US" dirty="0"/>
           </a:p>
@@ -4458,7 +4458,7 @@
           <a:p>
             <a:fld id="{3CBC1C18-307B-4F68-A007-B5B542270E8D}" type="datetimeFigureOut">
               <a:rPr lang="en-US" smtClean="0"/>
-              <a:t>1/13/2020</a:t>
+              <a:t>1/14/2020</a:t>
             </a:fld>
             <a:endParaRPr lang="en-US" dirty="0"/>
           </a:p>
@@ -5947,10 +5947,10 @@
       </p:sp>
       <p:pic>
         <p:nvPicPr>
-          <p:cNvPr id="4" name="Picture 3">
+          <p:cNvPr id="7" name="Picture 6">
             <a:extLst>
               <a:ext uri="{FF2B5EF4-FFF2-40B4-BE49-F238E27FC236}">
-                <a16:creationId xmlns:a16="http://schemas.microsoft.com/office/drawing/2014/main" id="{036DC468-D7DE-4F4B-A504-B62161187E01}"/>
+                <a16:creationId xmlns:a16="http://schemas.microsoft.com/office/drawing/2014/main" id="{CD36B8CC-C77F-4878-9EF3-1E8D5FFA17FF}"/>
               </a:ext>
             </a:extLst>
           </p:cNvPr>
@@ -5961,14 +5961,13 @@
         </p:nvPicPr>
         <p:blipFill>
           <a:blip r:embed="rId3"/>
-          <a:stretch>
-            <a:fillRect/>
-          </a:stretch>
+          <a:srcRect/>
+          <a:stretch/>
         </p:blipFill>
         <p:spPr>
           <a:xfrm>
-            <a:off x="1088406" y="414131"/>
-            <a:ext cx="5336793" cy="3989118"/>
+            <a:off x="811704" y="392834"/>
+            <a:ext cx="6195597" cy="4576538"/>
           </a:xfrm>
           <a:prstGeom prst="rect">
             <a:avLst/>
@@ -5977,28 +5976,25 @@
       </p:pic>
       <p:pic>
         <p:nvPicPr>
-          <p:cNvPr id="5" name="Picture 4">
+          <p:cNvPr id="8" name="Picture 7">
             <a:extLst>
               <a:ext uri="{FF2B5EF4-FFF2-40B4-BE49-F238E27FC236}">
-                <a16:creationId xmlns:a16="http://schemas.microsoft.com/office/drawing/2014/main" id="{409C5392-957F-40E5-9262-CB643565C9D0}"/>
+                <a16:creationId xmlns:a16="http://schemas.microsoft.com/office/drawing/2014/main" id="{63D3E94B-26AF-4267-A4FE-F56C0699F4A2}"/>
               </a:ext>
             </a:extLst>
           </p:cNvPr>
-          <p:cNvPicPr>
-            <a:picLocks noChangeAspect="1"/>
-          </p:cNvPicPr>
+          <p:cNvPicPr/>
           <p:nvPr/>
         </p:nvPicPr>
         <p:blipFill>
           <a:blip r:embed="rId4"/>
-          <a:stretch>
-            <a:fillRect/>
-          </a:stretch>
+          <a:srcRect/>
+          <a:stretch/>
         </p:blipFill>
         <p:spPr>
           <a:xfrm>
-            <a:off x="1088406" y="4460590"/>
-            <a:ext cx="5348773" cy="1964611"/>
+            <a:off x="1613145" y="4969372"/>
+            <a:ext cx="4592714" cy="1631941"/>
           </a:xfrm>
           <a:prstGeom prst="rect">
             <a:avLst/>
@@ -9670,6 +9666,15 @@
 </file>
 
 <file path=customXml/item2.xml><?xml version="1.0" encoding="utf-8"?>
+<p:properties xmlns:p="http://schemas.microsoft.com/office/2006/metadata/properties" xmlns:xsi="http://www.w3.org/2001/XMLSchema-instance" xmlns:pc="http://schemas.microsoft.com/office/infopath/2007/PartnerControls">
+  <documentManagement>
+    <MediaServiceKeyPoints xmlns="71af3243-3dd4-4a8d-8c0d-dd76da1f02a5" xsi:nil="true"/>
+    <Status xmlns="71af3243-3dd4-4a8d-8c0d-dd76da1f02a5">Not started</Status>
+  </documentManagement>
+</p:properties>
+</file>
+
+<file path=customXml/item3.xml><?xml version="1.0" encoding="utf-8"?>
 <ct:contentTypeSchema xmlns:ct="http://schemas.microsoft.com/office/2006/metadata/contentType" xmlns:ma="http://schemas.microsoft.com/office/2006/metadata/properties/metaAttributes" ct:_="" ma:_="" ma:contentTypeName="Document" ma:contentTypeID="0x01010079F111ED35F8CC479449609E8A0923A6" ma:contentTypeVersion="12" ma:contentTypeDescription="Create a new document." ma:contentTypeScope="" ma:versionID="b385d60f68dd989dca1fdc827799d853">
   <xsd:schema xmlns:xsd="http://www.w3.org/2001/XMLSchema" xmlns:xs="http://www.w3.org/2001/XMLSchema" xmlns:p="http://schemas.microsoft.com/office/2006/metadata/properties" xmlns:ns2="71af3243-3dd4-4a8d-8c0d-dd76da1f02a5" xmlns:ns3="16c05727-aa75-4e4a-9b5f-8a80a1165891" targetNamespace="http://schemas.microsoft.com/office/2006/metadata/properties" ma:root="true" ma:fieldsID="1911b479caf7b199da365455750e4572" ns2:_="" ns3:_="">
     <xsd:import namespace="71af3243-3dd4-4a8d-8c0d-dd76da1f02a5"/>
@@ -9890,15 +9895,6 @@
 </ct:contentTypeSchema>
 </file>
 
-<file path=customXml/item3.xml><?xml version="1.0" encoding="utf-8"?>
-<p:properties xmlns:p="http://schemas.microsoft.com/office/2006/metadata/properties" xmlns:xsi="http://www.w3.org/2001/XMLSchema-instance" xmlns:pc="http://schemas.microsoft.com/office/infopath/2007/PartnerControls">
-  <documentManagement>
-    <MediaServiceKeyPoints xmlns="71af3243-3dd4-4a8d-8c0d-dd76da1f02a5" xsi:nil="true"/>
-    <Status xmlns="71af3243-3dd4-4a8d-8c0d-dd76da1f02a5">Not started</Status>
-  </documentManagement>
-</p:properties>
-</file>
-
 <file path=customXml/itemProps1.xml><?xml version="1.0" encoding="utf-8"?>
 <ds:datastoreItem xmlns:ds="http://schemas.openxmlformats.org/officeDocument/2006/customXml" ds:itemID="{E7235C91-959C-45D9-B60A-005B894ACEE3}">
   <ds:schemaRefs>
@@ -9908,6 +9904,23 @@
 </file>
 
 <file path=customXml/itemProps2.xml><?xml version="1.0" encoding="utf-8"?>
+<ds:datastoreItem xmlns:ds="http://schemas.openxmlformats.org/officeDocument/2006/customXml" ds:itemID="{69E38AEF-4E2D-4D00-9707-4356DDB77317}">
+  <ds:schemaRefs>
+    <ds:schemaRef ds:uri="http://purl.org/dc/dcmitype/"/>
+    <ds:schemaRef ds:uri="http://www.w3.org/XML/1998/namespace"/>
+    <ds:schemaRef ds:uri="16c05727-aa75-4e4a-9b5f-8a80a1165891"/>
+    <ds:schemaRef ds:uri="http://purl.org/dc/elements/1.1/"/>
+    <ds:schemaRef ds:uri="http://schemas.microsoft.com/office/2006/metadata/properties"/>
+    <ds:schemaRef ds:uri="http://purl.org/dc/terms/"/>
+    <ds:schemaRef ds:uri="71af3243-3dd4-4a8d-8c0d-dd76da1f02a5"/>
+    <ds:schemaRef ds:uri="http://schemas.microsoft.com/office/2006/documentManagement/types"/>
+    <ds:schemaRef ds:uri="http://schemas.microsoft.com/office/infopath/2007/PartnerControls"/>
+    <ds:schemaRef ds:uri="http://schemas.openxmlformats.org/package/2006/metadata/core-properties"/>
+  </ds:schemaRefs>
+</ds:datastoreItem>
+</file>
+
+<file path=customXml/itemProps3.xml><?xml version="1.0" encoding="utf-8"?>
 <ds:datastoreItem xmlns:ds="http://schemas.openxmlformats.org/officeDocument/2006/customXml" ds:itemID="{1EF06AFC-006B-4BB6-8B59-5A9E1B0534F1}">
   <ds:schemaRefs>
     <ds:schemaRef ds:uri="http://schemas.microsoft.com/office/2006/metadata/contentType"/>
@@ -9924,21 +9937,4 @@
     <ds:schemaRef ds:uri="http://schemas.microsoft.com/internal/obd"/>
   </ds:schemaRefs>
 </ds:datastoreItem>
-</file>
-
-<file path=customXml/itemProps3.xml><?xml version="1.0" encoding="utf-8"?>
-<ds:datastoreItem xmlns:ds="http://schemas.openxmlformats.org/officeDocument/2006/customXml" ds:itemID="{69E38AEF-4E2D-4D00-9707-4356DDB77317}">
-  <ds:schemaRefs>
-    <ds:schemaRef ds:uri="http://purl.org/dc/dcmitype/"/>
-    <ds:schemaRef ds:uri="http://www.w3.org/XML/1998/namespace"/>
-    <ds:schemaRef ds:uri="16c05727-aa75-4e4a-9b5f-8a80a1165891"/>
-    <ds:schemaRef ds:uri="http://purl.org/dc/elements/1.1/"/>
-    <ds:schemaRef ds:uri="http://schemas.microsoft.com/office/2006/metadata/properties"/>
-    <ds:schemaRef ds:uri="http://purl.org/dc/terms/"/>
-    <ds:schemaRef ds:uri="71af3243-3dd4-4a8d-8c0d-dd76da1f02a5"/>
-    <ds:schemaRef ds:uri="http://schemas.microsoft.com/office/2006/documentManagement/types"/>
-    <ds:schemaRef ds:uri="http://schemas.microsoft.com/office/infopath/2007/PartnerControls"/>
-    <ds:schemaRef ds:uri="http://schemas.openxmlformats.org/package/2006/metadata/core-properties"/>
-  </ds:schemaRefs>
-</ds:datastoreItem>
 </file>